--- a/11/presentation/wda11_kNN.pptx
+++ b/11/presentation/wda11_kNN.pptx
@@ -222,7 +222,7 @@
           <a:p>
             <a:fld id="{7D261E44-C4C0-6344-AB31-495F47CEF0BF}" type="datetimeFigureOut">
               <a:rPr lang="sk-SK" smtClean="0"/>
-              <a:t>4. 4. 2019</a:t>
+              <a:t>8. 4. 2019</a:t>
             </a:fld>
             <a:endParaRPr lang="sk-SK"/>
           </a:p>
@@ -621,7 +621,7 @@
           <a:p>
             <a:fld id="{A066C677-8E45-E141-9716-C86D7EE5D9E8}" type="datetime1">
               <a:rPr lang="sk-SK" smtClean="0"/>
-              <a:t>4. 4. 2019</a:t>
+              <a:t>8. 4. 2019</a:t>
             </a:fld>
             <a:endParaRPr lang="en-US"/>
           </a:p>
@@ -791,7 +791,7 @@
           <a:p>
             <a:fld id="{2F1614C0-FE52-F449-9EB9-A0FF9A2543CD}" type="datetime1">
               <a:rPr lang="sk-SK" smtClean="0"/>
-              <a:t>4. 4. 2019</a:t>
+              <a:t>8. 4. 2019</a:t>
             </a:fld>
             <a:endParaRPr lang="en-US"/>
           </a:p>
@@ -971,7 +971,7 @@
           <a:p>
             <a:fld id="{D00EA2FD-E00D-9848-8434-0267DBC70800}" type="datetime1">
               <a:rPr lang="sk-SK" smtClean="0"/>
-              <a:t>4. 4. 2019</a:t>
+              <a:t>8. 4. 2019</a:t>
             </a:fld>
             <a:endParaRPr lang="en-US"/>
           </a:p>
@@ -1141,7 +1141,7 @@
           <a:p>
             <a:fld id="{EA230261-6B22-9D46-9363-FF39813EB6EC}" type="datetime1">
               <a:rPr lang="sk-SK" smtClean="0"/>
-              <a:t>4. 4. 2019</a:t>
+              <a:t>8. 4. 2019</a:t>
             </a:fld>
             <a:endParaRPr lang="en-US"/>
           </a:p>
@@ -1385,7 +1385,7 @@
           <a:p>
             <a:fld id="{59FB9737-2E3E-7648-A62E-672F14D45174}" type="datetime1">
               <a:rPr lang="sk-SK" smtClean="0"/>
-              <a:t>4. 4. 2019</a:t>
+              <a:t>8. 4. 2019</a:t>
             </a:fld>
             <a:endParaRPr lang="en-US"/>
           </a:p>
@@ -1617,7 +1617,7 @@
           <a:p>
             <a:fld id="{CE392BCD-50BB-5C4E-9FA2-1520C47BA1A9}" type="datetime1">
               <a:rPr lang="sk-SK" smtClean="0"/>
-              <a:t>4. 4. 2019</a:t>
+              <a:t>8. 4. 2019</a:t>
             </a:fld>
             <a:endParaRPr lang="en-US"/>
           </a:p>
@@ -1984,7 +1984,7 @@
           <a:p>
             <a:fld id="{47588235-1A3D-8F40-84C0-D3E6FA642448}" type="datetime1">
               <a:rPr lang="sk-SK" smtClean="0"/>
-              <a:t>4. 4. 2019</a:t>
+              <a:t>8. 4. 2019</a:t>
             </a:fld>
             <a:endParaRPr lang="en-US"/>
           </a:p>
@@ -2102,7 +2102,7 @@
           <a:p>
             <a:fld id="{C41B8640-B450-0C4A-9516-6E2711D4D46C}" type="datetime1">
               <a:rPr lang="sk-SK" smtClean="0"/>
-              <a:t>4. 4. 2019</a:t>
+              <a:t>8. 4. 2019</a:t>
             </a:fld>
             <a:endParaRPr lang="en-US"/>
           </a:p>
@@ -2197,7 +2197,7 @@
           <a:p>
             <a:fld id="{6B0C531D-6297-E049-BA84-34FE8FD92947}" type="datetime1">
               <a:rPr lang="sk-SK" smtClean="0"/>
-              <a:t>4. 4. 2019</a:t>
+              <a:t>8. 4. 2019</a:t>
             </a:fld>
             <a:endParaRPr lang="en-US"/>
           </a:p>
@@ -2474,7 +2474,7 @@
           <a:p>
             <a:fld id="{5410C6F4-3FBB-2D4D-B13A-D6953AE0A3AF}" type="datetime1">
               <a:rPr lang="sk-SK" smtClean="0"/>
-              <a:t>4. 4. 2019</a:t>
+              <a:t>8. 4. 2019</a:t>
             </a:fld>
             <a:endParaRPr lang="en-US"/>
           </a:p>
@@ -2731,7 +2731,7 @@
           <a:p>
             <a:fld id="{637C8A6D-C806-FE45-AB4E-63619D22D102}" type="datetime1">
               <a:rPr lang="sk-SK" smtClean="0"/>
-              <a:t>4. 4. 2019</a:t>
+              <a:t>8. 4. 2019</a:t>
             </a:fld>
             <a:endParaRPr lang="en-US"/>
           </a:p>
@@ -2944,7 +2944,7 @@
           <a:p>
             <a:fld id="{5F80EA03-2C13-2441-AAFA-2B3D759DC539}" type="datetime1">
               <a:rPr lang="sk-SK" smtClean="0"/>
-              <a:t>4. 4. 2019</a:t>
+              <a:t>8. 4. 2019</a:t>
             </a:fld>
             <a:endParaRPr lang="en-US"/>
           </a:p>
@@ -4427,35 +4427,21 @@
                 <a:latin typeface="Arial" panose="020B0604020202020204" pitchFamily="34" charset="0"/>
                 <a:cs typeface="Arial" panose="020B0604020202020204" pitchFamily="34" charset="0"/>
               </a:rPr>
-              <a:t>klasifikácia nových príznakov je výpočtovo najnáročnejší krok (výpočet všetkých </a:t>
-            </a:r>
-            <a:r>
-              <a:rPr lang="sk-SK" sz="2400" dirty="0" err="1">
-                <a:latin typeface="Arial" panose="020B0604020202020204" pitchFamily="34" charset="0"/>
-                <a:cs typeface="Arial" panose="020B0604020202020204" pitchFamily="34" charset="0"/>
-              </a:rPr>
-              <a:t>vzdialoeností</a:t>
+              <a:t>klasifikácia nových príznakov je výpočtovo najnáročnejší krok (výpočet všetkých vzdialeností, </a:t>
+            </a:r>
+            <a:r>
+              <a:rPr lang="sk-SK" sz="2400">
+                <a:latin typeface="Arial" panose="020B0604020202020204" pitchFamily="34" charset="0"/>
+                <a:cs typeface="Arial" panose="020B0604020202020204" pitchFamily="34" charset="0"/>
+              </a:rPr>
+              <a:t>môže byť </a:t>
             </a:r>
             <a:r>
               <a:rPr lang="sk-SK" sz="2400" dirty="0">
                 <a:latin typeface="Arial" panose="020B0604020202020204" pitchFamily="34" charset="0"/>
                 <a:cs typeface="Arial" panose="020B0604020202020204" pitchFamily="34" charset="0"/>
               </a:rPr>
-              <a:t>, môže </a:t>
-            </a:r>
-            <a:r>
-              <a:rPr lang="sk-SK" sz="2400" dirty="0" err="1">
-                <a:latin typeface="Arial" panose="020B0604020202020204" pitchFamily="34" charset="0"/>
-                <a:cs typeface="Arial" panose="020B0604020202020204" pitchFamily="34" charset="0"/>
-              </a:rPr>
-              <a:t>bzť</a:t>
-            </a:r>
-            <a:r>
-              <a:rPr lang="sk-SK" sz="2400" dirty="0">
-                <a:latin typeface="Arial" panose="020B0604020202020204" pitchFamily="34" charset="0"/>
-                <a:cs typeface="Arial" panose="020B0604020202020204" pitchFamily="34" charset="0"/>
-              </a:rPr>
-              <a:t> problém, ak je </a:t>
+              <a:t>problém, ak je </a:t>
             </a:r>
             <a:r>
               <a:rPr lang="sk-SK" sz="2400" dirty="0" err="1">
@@ -7400,7 +7386,7 @@
           <a:graphicData uri="http://schemas.openxmlformats.org/presentationml/2006/ole">
             <mc:AlternateContent xmlns:mc="http://schemas.openxmlformats.org/markup-compatibility/2006">
               <mc:Choice xmlns:v="urn:schemas-microsoft-com:vml" Requires="v">
-                <p:oleObj spid="_x0000_s1117" name="Microsoft Equation 3.0" r:id="rId3" imgW="39497000" imgH="11112500" progId="Equation.3">
+                <p:oleObj spid="_x0000_s1026" name="Microsoft Equation 3.0" r:id="rId3" imgW="39497000" imgH="11112500" progId="Equation.3">
                   <p:embed/>
                 </p:oleObj>
               </mc:Choice>
@@ -7409,10 +7395,10 @@
                   <p:embed/>
                   <p:pic>
                     <p:nvPicPr>
-                      <p:cNvPr id="2" name="Object 14">
+                      <p:cNvPr id="7" name="Object 14">
                         <a:extLst>
                           <a:ext uri="{FF2B5EF4-FFF2-40B4-BE49-F238E27FC236}">
-                            <a16:creationId xmlns:a16="http://schemas.microsoft.com/office/drawing/2014/main" id="{62296C64-B8CF-A640-990B-EE17762514EC}"/>
+                            <a16:creationId xmlns:a16="http://schemas.microsoft.com/office/drawing/2014/main" id="{91D4868D-1236-A549-9C69-24AF026A58C8}"/>
                           </a:ext>
                         </a:extLst>
                       </p:cNvPr>
@@ -7488,7 +7474,7 @@
           <a:graphicData uri="http://schemas.openxmlformats.org/presentationml/2006/ole">
             <mc:AlternateContent xmlns:mc="http://schemas.openxmlformats.org/markup-compatibility/2006">
               <mc:Choice xmlns:v="urn:schemas-microsoft-com:vml" Requires="v">
-                <p:oleObj spid="_x0000_s1118" name="Microsoft Equation 3.0" r:id="rId5" imgW="42125900" imgH="20485100" progId="Equation.3">
+                <p:oleObj spid="_x0000_s1027" name="Microsoft Equation 3.0" r:id="rId5" imgW="42125900" imgH="20485100" progId="Equation.3">
                   <p:embed/>
                 </p:oleObj>
               </mc:Choice>
@@ -7497,10 +7483,10 @@
                   <p:embed/>
                   <p:pic>
                     <p:nvPicPr>
-                      <p:cNvPr id="3075" name="Object 9">
+                      <p:cNvPr id="9" name="Object 9">
                         <a:extLst>
                           <a:ext uri="{FF2B5EF4-FFF2-40B4-BE49-F238E27FC236}">
-                            <a16:creationId xmlns:a16="http://schemas.microsoft.com/office/drawing/2014/main" id="{0740393B-CA43-E146-BDAE-37C57DC47BA4}"/>
+                            <a16:creationId xmlns:a16="http://schemas.microsoft.com/office/drawing/2014/main" id="{3D51E5D4-FAD3-9347-AB34-7D124BE58E7E}"/>
                           </a:ext>
                         </a:extLst>
                       </p:cNvPr>
@@ -7576,7 +7562,7 @@
           <a:graphicData uri="http://schemas.openxmlformats.org/presentationml/2006/ole">
             <mc:AlternateContent xmlns:mc="http://schemas.openxmlformats.org/markup-compatibility/2006">
               <mc:Choice xmlns:v="urn:schemas-microsoft-com:vml" Requires="v">
-                <p:oleObj spid="_x0000_s1119" name="Microsoft Equation 3.0" r:id="rId7" imgW="51206400" imgH="9944100" progId="Equation.3">
+                <p:oleObj spid="_x0000_s1028" name="Microsoft Equation 3.0" r:id="rId7" imgW="51206400" imgH="9944100" progId="Equation.3">
                   <p:embed/>
                 </p:oleObj>
               </mc:Choice>
@@ -7585,10 +7571,10 @@
                   <p:embed/>
                   <p:pic>
                     <p:nvPicPr>
-                      <p:cNvPr id="5123" name="Object 14">
+                      <p:cNvPr id="10" name="Object 14">
                         <a:extLst>
                           <a:ext uri="{FF2B5EF4-FFF2-40B4-BE49-F238E27FC236}">
-                            <a16:creationId xmlns:a16="http://schemas.microsoft.com/office/drawing/2014/main" id="{7A343FD4-02AB-0248-8E29-DFB9E8A38915}"/>
+                            <a16:creationId xmlns:a16="http://schemas.microsoft.com/office/drawing/2014/main" id="{0AF28498-9640-4A49-80CC-A6624BC7BBF8}"/>
                           </a:ext>
                         </a:extLst>
                       </p:cNvPr>
@@ -8460,7 +8446,7 @@
         </p:spPr>
         <p:txBody>
           <a:bodyPr>
-            <a:normAutofit fontScale="92500" lnSpcReduction="20000"/>
+            <a:normAutofit fontScale="85000" lnSpcReduction="20000"/>
           </a:bodyPr>
           <a:lstStyle>
             <a:lvl1pPr marL="251460" indent="-251460" algn="l" defTabSz="1005840" rtl="0" eaLnBrk="1" latinLnBrk="0" hangingPunct="1">
@@ -8661,8 +8647,19 @@
                 <a:latin typeface="Arial" panose="020B0604020202020204" pitchFamily="34" charset="0"/>
                 <a:cs typeface="Arial" panose="020B0604020202020204" pitchFamily="34" charset="0"/>
               </a:rPr>
-              <a:t>– zohľadňuje uhol medzi vektormi</a:t>
-            </a:r>
+              <a:t>– zohľadňuje uhol medzi vektormi </a:t>
+            </a:r>
+            <a:r>
+              <a:rPr lang="sk-SK" sz="3200" i="1" dirty="0">
+                <a:latin typeface="Arial" panose="020B0604020202020204" pitchFamily="34" charset="0"/>
+                <a:cs typeface="Arial" panose="020B0604020202020204" pitchFamily="34" charset="0"/>
+              </a:rPr>
+              <a:t>(v špecifických úlohách - klasifikácia textov, kde pracujem so slovami, nie číslami)</a:t>
+            </a:r>
+            <a:endParaRPr lang="sk-SK" sz="3200" dirty="0">
+              <a:latin typeface="Arial" panose="020B0604020202020204" pitchFamily="34" charset="0"/>
+              <a:cs typeface="Arial" panose="020B0604020202020204" pitchFamily="34" charset="0"/>
+            </a:endParaRPr>
           </a:p>
           <a:p>
             <a:r>
@@ -10500,7 +10497,7 @@
         </p:spPr>
         <p:txBody>
           <a:bodyPr>
-            <a:normAutofit fontScale="92500" lnSpcReduction="20000"/>
+            <a:normAutofit fontScale="77500" lnSpcReduction="20000"/>
           </a:bodyPr>
           <a:lstStyle>
             <a:lvl1pPr marL="251460" indent="-251460" algn="l" defTabSz="1005840" rtl="0" eaLnBrk="1" latinLnBrk="0" hangingPunct="1">
@@ -10760,6 +10757,32 @@
                 <a:cs typeface="Arial" panose="020B0604020202020204" pitchFamily="34" charset="0"/>
               </a:rPr>
               <a:t>k</a:t>
+            </a:r>
+          </a:p>
+          <a:p>
+            <a:pPr marL="502920" lvl="1" indent="0">
+              <a:buNone/>
+            </a:pPr>
+            <a:r>
+              <a:rPr lang="sk-SK" sz="2560" i="1" dirty="0">
+                <a:latin typeface="Arial" panose="020B0604020202020204" pitchFamily="34" charset="0"/>
+                <a:cs typeface="Arial" panose="020B0604020202020204" pitchFamily="34" charset="0"/>
+              </a:rPr>
+              <a:t>Atribúty musia byť numerické a normalizované (v rovnakom rozsahu, </a:t>
+            </a:r>
+            <a:r>
+              <a:rPr lang="sk-SK" sz="2560" i="1" dirty="0" err="1">
+                <a:latin typeface="Arial" panose="020B0604020202020204" pitchFamily="34" charset="0"/>
+                <a:cs typeface="Arial" panose="020B0604020202020204" pitchFamily="34" charset="0"/>
+              </a:rPr>
+              <a:t>naškálovať</a:t>
+            </a:r>
+            <a:r>
+              <a:rPr lang="sk-SK" sz="2560" i="1" dirty="0">
+                <a:latin typeface="Arial" panose="020B0604020202020204" pitchFamily="34" charset="0"/>
+                <a:cs typeface="Arial" panose="020B0604020202020204" pitchFamily="34" charset="0"/>
+              </a:rPr>
+              <a:t> ho)</a:t>
             </a:r>
           </a:p>
           <a:p>
